--- a/Martus.pptx
+++ b/Martus.pptx
@@ -20,6 +20,8 @@
     <p:sldId id="265" r:id="rId14"/>
     <p:sldId id="266" r:id="rId15"/>
     <p:sldId id="267" r:id="rId16"/>
+    <p:sldId id="268" r:id="rId17"/>
+    <p:sldId id="269" r:id="rId18"/>
   </p:sldIdLst>
   <p:sldSz cy="5143500" cx="9144000"/>
   <p:notesSz cx="6858000" cy="9144000"/>
@@ -553,6 +555,18 @@
               <a:buNone/>
             </a:pPr>
             <a:r>
+              <a:rPr lang="en"/>
+              <a:t>Miki</a:t>
+            </a:r>
+          </a:p>
+          <a:p>
+            <a:pPr lvl="0">
+              <a:spcBef>
+                <a:spcPts val="0"/>
+              </a:spcBef>
+              <a:buNone/>
+            </a:pPr>
+            <a:r>
               <a:t/>
             </a:r>
             <a:endParaRPr/>
@@ -667,7 +681,7 @@
   <p:cSld>
     <p:spTree>
       <p:nvGrpSpPr>
-        <p:cNvPr id="119" name="Shape 119"/>
+        <p:cNvPr id="118" name="Shape 118"/>
         <p:cNvGrpSpPr/>
         <p:nvPr/>
       </p:nvGrpSpPr>
@@ -681,7 +695,7 @@
       </p:grpSpPr>
       <p:sp>
         <p:nvSpPr>
-          <p:cNvPr id="120" name="Shape 120"/>
+          <p:cNvPr id="119" name="Shape 119"/>
           <p:cNvSpPr/>
           <p:nvPr>
             <p:ph idx="2" type="sldImg"/>
@@ -715,7 +729,7 @@
       </p:sp>
       <p:sp>
         <p:nvSpPr>
-          <p:cNvPr id="121" name="Shape 121"/>
+          <p:cNvPr id="120" name="Shape 120"/>
           <p:cNvSpPr txBox="1"/>
           <p:nvPr>
             <p:ph idx="1" type="body"/>
@@ -743,9 +757,199 @@
               <a:buNone/>
             </a:pPr>
             <a:r>
-              <a:t/>
-            </a:r>
-            <a:endParaRPr/>
+              <a:rPr lang="en"/>
+              <a:t>Mac</a:t>
+            </a:r>
+          </a:p>
+        </p:txBody>
+      </p:sp>
+    </p:spTree>
+  </p:cSld>
+  <p:clrMapOvr>
+    <a:masterClrMapping/>
+  </p:clrMapOvr>
+</p:notes>
+</file>
+
+<file path=ppt/notesSlides/notesSlide13.xml><?xml version="1.0" encoding="utf-8"?>
+<p:notes xmlns:a="http://schemas.openxmlformats.org/drawingml/2006/main" xmlns:r="http://schemas.openxmlformats.org/officeDocument/2006/relationships" xmlns:mc="http://schemas.openxmlformats.org/markup-compatibility/2006" xmlns:mv="urn:schemas-microsoft-com:mac:vml" xmlns:p="http://schemas.openxmlformats.org/presentationml/2006/main" xmlns:c="http://schemas.openxmlformats.org/drawingml/2006/chart" xmlns:dgm="http://schemas.openxmlformats.org/drawingml/2006/diagram" xmlns:o="urn:schemas-microsoft-com:office:office" xmlns:v="urn:schemas-microsoft-com:vml" xmlns:pvml="urn:schemas-microsoft-com:office:powerpoint" xmlns:com="http://schemas.openxmlformats.org/drawingml/2006/compatibility" xmlns:p14="http://schemas.microsoft.com/office/powerpoint/2010/main" showMasterPhAnim="0" showMasterSp="0">
+  <p:cSld>
+    <p:spTree>
+      <p:nvGrpSpPr>
+        <p:cNvPr id="125" name="Shape 125"/>
+        <p:cNvGrpSpPr/>
+        <p:nvPr/>
+      </p:nvGrpSpPr>
+      <p:grpSpPr>
+        <a:xfrm>
+          <a:off x="0" y="0"/>
+          <a:ext cx="0" cy="0"/>
+          <a:chOff x="0" y="0"/>
+          <a:chExt cx="0" cy="0"/>
+        </a:xfrm>
+      </p:grpSpPr>
+      <p:sp>
+        <p:nvSpPr>
+          <p:cNvPr id="126" name="Shape 126"/>
+          <p:cNvSpPr/>
+          <p:nvPr>
+            <p:ph idx="2" type="sldImg"/>
+          </p:nvPr>
+        </p:nvSpPr>
+        <p:spPr>
+          <a:xfrm>
+            <a:off x="381300" y="685800"/>
+            <a:ext cx="6096000" cy="3429000"/>
+          </a:xfrm>
+          <a:custGeom>
+            <a:pathLst>
+              <a:path extrusionOk="0" h="120000" w="120000">
+                <a:moveTo>
+                  <a:pt x="0" y="0"/>
+                </a:moveTo>
+                <a:lnTo>
+                  <a:pt x="120000" y="0"/>
+                </a:lnTo>
+                <a:lnTo>
+                  <a:pt x="120000" y="120000"/>
+                </a:lnTo>
+                <a:lnTo>
+                  <a:pt x="0" y="120000"/>
+                </a:lnTo>
+                <a:close/>
+              </a:path>
+            </a:pathLst>
+          </a:custGeom>
+        </p:spPr>
+      </p:sp>
+      <p:sp>
+        <p:nvSpPr>
+          <p:cNvPr id="127" name="Shape 127"/>
+          <p:cNvSpPr txBox="1"/>
+          <p:nvPr>
+            <p:ph idx="1" type="body"/>
+          </p:nvPr>
+        </p:nvSpPr>
+        <p:spPr>
+          <a:xfrm>
+            <a:off x="685800" y="4343400"/>
+            <a:ext cx="5486400" cy="4114800"/>
+          </a:xfrm>
+          <a:prstGeom prst="rect">
+            <a:avLst/>
+          </a:prstGeom>
+        </p:spPr>
+        <p:txBody>
+          <a:bodyPr anchorCtr="0" anchor="t" bIns="91425" lIns="91425" rIns="91425" tIns="91425">
+            <a:noAutofit/>
+          </a:bodyPr>
+          <a:lstStyle/>
+          <a:p>
+            <a:pPr lvl="0">
+              <a:spcBef>
+                <a:spcPts val="0"/>
+              </a:spcBef>
+              <a:buNone/>
+            </a:pPr>
+            <a:r>
+              <a:rPr lang="en"/>
+              <a:t>Donovan</a:t>
+            </a:r>
+          </a:p>
+        </p:txBody>
+      </p:sp>
+    </p:spTree>
+  </p:cSld>
+  <p:clrMapOvr>
+    <a:masterClrMapping/>
+  </p:clrMapOvr>
+</p:notes>
+</file>
+
+<file path=ppt/notesSlides/notesSlide14.xml><?xml version="1.0" encoding="utf-8"?>
+<p:notes xmlns:a="http://schemas.openxmlformats.org/drawingml/2006/main" xmlns:r="http://schemas.openxmlformats.org/officeDocument/2006/relationships" xmlns:mc="http://schemas.openxmlformats.org/markup-compatibility/2006" xmlns:mv="urn:schemas-microsoft-com:mac:vml" xmlns:p="http://schemas.openxmlformats.org/presentationml/2006/main" xmlns:c="http://schemas.openxmlformats.org/drawingml/2006/chart" xmlns:dgm="http://schemas.openxmlformats.org/drawingml/2006/diagram" xmlns:o="urn:schemas-microsoft-com:office:office" xmlns:v="urn:schemas-microsoft-com:vml" xmlns:pvml="urn:schemas-microsoft-com:office:powerpoint" xmlns:com="http://schemas.openxmlformats.org/drawingml/2006/compatibility" xmlns:p14="http://schemas.microsoft.com/office/powerpoint/2010/main" showMasterPhAnim="0" showMasterSp="0">
+  <p:cSld>
+    <p:spTree>
+      <p:nvGrpSpPr>
+        <p:cNvPr id="132" name="Shape 132"/>
+        <p:cNvGrpSpPr/>
+        <p:nvPr/>
+      </p:nvGrpSpPr>
+      <p:grpSpPr>
+        <a:xfrm>
+          <a:off x="0" y="0"/>
+          <a:ext cx="0" cy="0"/>
+          <a:chOff x="0" y="0"/>
+          <a:chExt cx="0" cy="0"/>
+        </a:xfrm>
+      </p:grpSpPr>
+      <p:sp>
+        <p:nvSpPr>
+          <p:cNvPr id="133" name="Shape 133"/>
+          <p:cNvSpPr/>
+          <p:nvPr>
+            <p:ph idx="2" type="sldImg"/>
+          </p:nvPr>
+        </p:nvSpPr>
+        <p:spPr>
+          <a:xfrm>
+            <a:off x="381300" y="685800"/>
+            <a:ext cx="6096000" cy="3429000"/>
+          </a:xfrm>
+          <a:custGeom>
+            <a:pathLst>
+              <a:path extrusionOk="0" h="120000" w="120000">
+                <a:moveTo>
+                  <a:pt x="0" y="0"/>
+                </a:moveTo>
+                <a:lnTo>
+                  <a:pt x="120000" y="0"/>
+                </a:lnTo>
+                <a:lnTo>
+                  <a:pt x="120000" y="120000"/>
+                </a:lnTo>
+                <a:lnTo>
+                  <a:pt x="0" y="120000"/>
+                </a:lnTo>
+                <a:close/>
+              </a:path>
+            </a:pathLst>
+          </a:custGeom>
+        </p:spPr>
+      </p:sp>
+      <p:sp>
+        <p:nvSpPr>
+          <p:cNvPr id="134" name="Shape 134"/>
+          <p:cNvSpPr txBox="1"/>
+          <p:nvPr>
+            <p:ph idx="1" type="body"/>
+          </p:nvPr>
+        </p:nvSpPr>
+        <p:spPr>
+          <a:xfrm>
+            <a:off x="685800" y="4343400"/>
+            <a:ext cx="5486400" cy="4114800"/>
+          </a:xfrm>
+          <a:prstGeom prst="rect">
+            <a:avLst/>
+          </a:prstGeom>
+        </p:spPr>
+        <p:txBody>
+          <a:bodyPr anchorCtr="0" anchor="t" bIns="91425" lIns="91425" rIns="91425" tIns="91425">
+            <a:noAutofit/>
+          </a:bodyPr>
+          <a:lstStyle/>
+          <a:p>
+            <a:pPr lvl="0">
+              <a:spcBef>
+                <a:spcPts val="0"/>
+              </a:spcBef>
+              <a:buNone/>
+            </a:pPr>
+            <a:r>
+              <a:rPr lang="en"/>
+              <a:t>Miki</a:t>
+            </a:r>
           </a:p>
         </p:txBody>
       </p:sp>
@@ -838,9 +1042,9 @@
               <a:buNone/>
             </a:pPr>
             <a:r>
-              <a:t/>
-            </a:r>
-            <a:endParaRPr/>
+              <a:rPr lang="en"/>
+              <a:t>Mac</a:t>
+            </a:r>
           </a:p>
         </p:txBody>
       </p:sp>
@@ -934,7 +1138,7 @@
             </a:pPr>
             <a:r>
               <a:rPr lang="en"/>
-              <a:t>Talk about how the app would not connect to the server</a:t>
+              <a:t>Donovan</a:t>
             </a:r>
           </a:p>
         </p:txBody>
@@ -952,7 +1156,7 @@
   <p:cSld>
     <p:spTree>
       <p:nvGrpSpPr>
-        <p:cNvPr id="69" name="Shape 69"/>
+        <p:cNvPr id="68" name="Shape 68"/>
         <p:cNvGrpSpPr/>
         <p:nvPr/>
       </p:nvGrpSpPr>
@@ -966,7 +1170,7 @@
       </p:grpSpPr>
       <p:sp>
         <p:nvSpPr>
-          <p:cNvPr id="70" name="Shape 70"/>
+          <p:cNvPr id="69" name="Shape 69"/>
           <p:cNvSpPr/>
           <p:nvPr>
             <p:ph idx="2" type="sldImg"/>
@@ -1000,7 +1204,7 @@
       </p:sp>
       <p:sp>
         <p:nvSpPr>
-          <p:cNvPr id="71" name="Shape 71"/>
+          <p:cNvPr id="70" name="Shape 70"/>
           <p:cNvSpPr txBox="1"/>
           <p:nvPr>
             <p:ph idx="1" type="body"/>
@@ -1028,9 +1232,21 @@
               <a:buNone/>
             </a:pPr>
             <a:r>
-              <a:t/>
-            </a:r>
-            <a:endParaRPr/>
+              <a:rPr lang="en"/>
+              <a:t>Miki</a:t>
+            </a:r>
+          </a:p>
+          <a:p>
+            <a:pPr lvl="0">
+              <a:spcBef>
+                <a:spcPts val="0"/>
+              </a:spcBef>
+              <a:buNone/>
+            </a:pPr>
+            <a:r>
+              <a:rPr lang="en"/>
+              <a:t>Talk about how the app would not connect to the server</a:t>
+            </a:r>
           </a:p>
         </p:txBody>
       </p:sp>
@@ -1123,8 +1339,20 @@
               <a:buNone/>
             </a:pPr>
             <a:r>
+              <a:t/>
+            </a:r>
+            <a:endParaRPr/>
+          </a:p>
+          <a:p>
+            <a:pPr lvl="0">
+              <a:spcBef>
+                <a:spcPts val="0"/>
+              </a:spcBef>
+              <a:buNone/>
+            </a:pPr>
+            <a:r>
               <a:rPr lang="en"/>
-              <a:t>Mention that having a flexible object for recording dates is important when reporting time sensitive human rights violations in different countries </a:t>
+              <a:t>MAC</a:t>
             </a:r>
           </a:p>
         </p:txBody>
@@ -1218,9 +1446,33 @@
               <a:buNone/>
             </a:pPr>
             <a:r>
-              <a:t/>
-            </a:r>
-            <a:endParaRPr/>
+              <a:rPr lang="en"/>
+              <a:t>Mention that having a flexible object for recording dates is important when reporting time sensitive human rights violations in different countries </a:t>
+            </a:r>
+          </a:p>
+          <a:p>
+            <a:pPr lvl="0">
+              <a:spcBef>
+                <a:spcPts val="0"/>
+              </a:spcBef>
+              <a:buNone/>
+            </a:pPr>
+            <a:r>
+              <a:rPr lang="en"/>
+              <a:t>Donovan</a:t>
+            </a:r>
+          </a:p>
+          <a:p>
+            <a:pPr lvl="0">
+              <a:spcBef>
+                <a:spcPts val="0"/>
+              </a:spcBef>
+              <a:buNone/>
+            </a:pPr>
+            <a:r>
+              <a:rPr lang="en"/>
+              <a:t>Flexidate is an improvment on javas calendar object</a:t>
+            </a:r>
           </a:p>
         </p:txBody>
       </p:sp>
@@ -1313,6 +1565,18 @@
               <a:buNone/>
             </a:pPr>
             <a:r>
+              <a:rPr lang="en"/>
+              <a:t>Miki</a:t>
+            </a:r>
+          </a:p>
+          <a:p>
+            <a:pPr lvl="0">
+              <a:spcBef>
+                <a:spcPts val="0"/>
+              </a:spcBef>
+              <a:buNone/>
+            </a:pPr>
+            <a:r>
               <a:t/>
             </a:r>
             <a:endParaRPr/>
@@ -1409,7 +1673,7 @@
             </a:pPr>
             <a:r>
               <a:rPr lang="en"/>
-              <a:t>Talk about the the reason for each line</a:t>
+              <a:t>Mac</a:t>
             </a:r>
           </a:p>
         </p:txBody>
@@ -1427,7 +1691,7 @@
   <p:cSld>
     <p:spTree>
       <p:nvGrpSpPr>
-        <p:cNvPr id="100" name="Shape 100"/>
+        <p:cNvPr id="99" name="Shape 99"/>
         <p:cNvGrpSpPr/>
         <p:nvPr/>
       </p:nvGrpSpPr>
@@ -1441,7 +1705,7 @@
       </p:grpSpPr>
       <p:sp>
         <p:nvSpPr>
-          <p:cNvPr id="101" name="Shape 101"/>
+          <p:cNvPr id="100" name="Shape 100"/>
           <p:cNvSpPr/>
           <p:nvPr>
             <p:ph idx="2" type="sldImg"/>
@@ -1475,7 +1739,7 @@
       </p:sp>
       <p:sp>
         <p:nvSpPr>
-          <p:cNvPr id="102" name="Shape 102"/>
+          <p:cNvPr id="101" name="Shape 101"/>
           <p:cNvSpPr txBox="1"/>
           <p:nvPr>
             <p:ph idx="1" type="body"/>
@@ -1503,9 +1767,33 @@
               <a:buNone/>
             </a:pPr>
             <a:r>
-              <a:t/>
-            </a:r>
-            <a:endParaRPr/>
+              <a:rPr lang="en"/>
+              <a:t>Talk about the the reason for each line</a:t>
+            </a:r>
+          </a:p>
+          <a:p>
+            <a:pPr lvl="0">
+              <a:spcBef>
+                <a:spcPts val="0"/>
+              </a:spcBef>
+              <a:buNone/>
+            </a:pPr>
+            <a:r>
+              <a:rPr lang="en"/>
+              <a:t>Talk about the importance of version control</a:t>
+            </a:r>
+          </a:p>
+          <a:p>
+            <a:pPr lvl="0">
+              <a:spcBef>
+                <a:spcPts val="0"/>
+              </a:spcBef>
+              <a:buNone/>
+            </a:pPr>
+            <a:r>
+              <a:rPr lang="en"/>
+              <a:t>Donovan</a:t>
+            </a:r>
           </a:p>
         </p:txBody>
       </p:sp>
@@ -4846,7 +5134,7 @@
           </a:bodyPr>
           <a:lstStyle/>
           <a:p>
-            <a:pPr lvl="0" rtl="0">
+            <a:pPr lvl="0">
               <a:spcBef>
                 <a:spcPts val="0"/>
               </a:spcBef>
@@ -4855,6 +5143,18 @@
             <a:r>
               <a:rPr lang="en"/>
               <a:t>Information is Power</a:t>
+            </a:r>
+          </a:p>
+          <a:p>
+            <a:pPr lvl="0" rtl="0">
+              <a:spcBef>
+                <a:spcPts val="0"/>
+              </a:spcBef>
+              <a:buNone/>
+            </a:pPr>
+            <a:r>
+              <a:rPr lang="en" sz="1800"/>
+              <a:t>Mac Knight, Donovan Roseau, Miki Sugimoto</a:t>
             </a:r>
           </a:p>
         </p:txBody>
@@ -4884,62 +5184,116 @@
           <a:chExt cx="0" cy="0"/>
         </a:xfrm>
       </p:grpSpPr>
-      <p:pic>
-        <p:nvPicPr>
-          <p:cNvPr descr="Screen Shot 2016-11-30 at 7.47.44 PM.png" id="110" name="Shape 110"/>
-          <p:cNvPicPr preferRelativeResize="0"/>
-          <p:nvPr/>
-        </p:nvPicPr>
-        <p:blipFill>
-          <a:blip r:embed="rId3">
-            <a:alphaModFix/>
-          </a:blip>
-          <a:stretch>
-            <a:fillRect/>
-          </a:stretch>
-        </p:blipFill>
-        <p:spPr>
-          <a:xfrm>
-            <a:off x="1724225" y="128675"/>
-            <a:ext cx="5373573" cy="2957135"/>
-          </a:xfrm>
-          <a:prstGeom prst="rect">
-            <a:avLst/>
-          </a:prstGeom>
-          <a:noFill/>
-          <a:ln>
-            <a:noFill/>
-          </a:ln>
-        </p:spPr>
-      </p:pic>
-      <p:pic>
-        <p:nvPicPr>
-          <p:cNvPr descr="Screen Shot 2016-11-30 at 7.49.05 PM.png" id="111" name="Shape 111"/>
-          <p:cNvPicPr preferRelativeResize="0"/>
-          <p:nvPr/>
-        </p:nvPicPr>
-        <p:blipFill>
-          <a:blip r:embed="rId4">
-            <a:alphaModFix/>
-          </a:blip>
-          <a:stretch>
-            <a:fillRect/>
-          </a:stretch>
-        </p:blipFill>
-        <p:spPr>
-          <a:xfrm>
-            <a:off x="1724225" y="3015549"/>
-            <a:ext cx="5373584" cy="1941750"/>
-          </a:xfrm>
-          <a:prstGeom prst="rect">
-            <a:avLst/>
-          </a:prstGeom>
-          <a:noFill/>
-          <a:ln>
-            <a:noFill/>
-          </a:ln>
-        </p:spPr>
-      </p:pic>
+      <p:sp>
+        <p:nvSpPr>
+          <p:cNvPr id="110" name="Shape 110"/>
+          <p:cNvSpPr txBox="1"/>
+          <p:nvPr>
+            <p:ph type="title"/>
+          </p:nvPr>
+        </p:nvSpPr>
+        <p:spPr>
+          <a:xfrm>
+            <a:off x="311700" y="445025"/>
+            <a:ext cx="8520600" cy="572700"/>
+          </a:xfrm>
+          <a:prstGeom prst="rect">
+            <a:avLst/>
+          </a:prstGeom>
+        </p:spPr>
+        <p:txBody>
+          <a:bodyPr anchorCtr="0" anchor="t" bIns="91425" lIns="91425" rIns="91425" tIns="91425">
+            <a:noAutofit/>
+          </a:bodyPr>
+          <a:lstStyle/>
+          <a:p>
+            <a:pPr lvl="0">
+              <a:spcBef>
+                <a:spcPts val="0"/>
+              </a:spcBef>
+              <a:buClr>
+                <a:schemeClr val="dk1"/>
+              </a:buClr>
+              <a:buSzPct val="39285"/>
+              <a:buFont typeface="Arial"/>
+              <a:buNone/>
+            </a:pPr>
+            <a:r>
+              <a:rPr lang="en"/>
+              <a:t>Testing Framework (cont.)</a:t>
+            </a:r>
+          </a:p>
+          <a:p>
+            <a:pPr lvl="0">
+              <a:spcBef>
+                <a:spcPts val="0"/>
+              </a:spcBef>
+              <a:buNone/>
+            </a:pPr>
+            <a:r>
+              <a:t/>
+            </a:r>
+            <a:endParaRPr/>
+          </a:p>
+        </p:txBody>
+      </p:sp>
+      <p:sp>
+        <p:nvSpPr>
+          <p:cNvPr id="111" name="Shape 111"/>
+          <p:cNvSpPr txBox="1"/>
+          <p:nvPr>
+            <p:ph idx="1" type="body"/>
+          </p:nvPr>
+        </p:nvSpPr>
+        <p:spPr>
+          <a:xfrm>
+            <a:off x="311700" y="1152475"/>
+            <a:ext cx="8520600" cy="3416400"/>
+          </a:xfrm>
+          <a:prstGeom prst="rect">
+            <a:avLst/>
+          </a:prstGeom>
+        </p:spPr>
+        <p:txBody>
+          <a:bodyPr anchorCtr="0" anchor="t" bIns="91425" lIns="91425" rIns="91425" tIns="91425">
+            <a:noAutofit/>
+          </a:bodyPr>
+          <a:lstStyle/>
+          <a:p>
+            <a:pPr indent="-228600" lvl="0" marL="457200" rtl="0">
+              <a:spcBef>
+                <a:spcPts val="0"/>
+              </a:spcBef>
+            </a:pPr>
+            <a:r>
+              <a:rPr lang="en"/>
+              <a:t>One issue that we ran into was that our script was re compiling the same java files over and over which significantly decreased the speed of the runAllTests script as more test cases were added.</a:t>
+            </a:r>
+          </a:p>
+          <a:p>
+            <a:pPr indent="-228600" lvl="0" marL="457200" rtl="0">
+              <a:spcBef>
+                <a:spcPts val="0"/>
+              </a:spcBef>
+            </a:pPr>
+            <a:r>
+              <a:rPr lang="en"/>
+              <a:t>This was an easy fix by keeping track of which java files were compiled and only compiling when necessary</a:t>
+            </a:r>
+          </a:p>
+          <a:p>
+            <a:pPr indent="-228600" lvl="0" marL="457200" rtl="0">
+              <a:spcBef>
+                <a:spcPts val="0"/>
+              </a:spcBef>
+            </a:pPr>
+            <a:r>
+              <a:rPr lang="en"/>
+              <a:t>Over the course of the semester we improved the runAllTests script and added more test cases. </a:t>
+            </a:r>
+          </a:p>
+        </p:txBody>
+      </p:sp>
     </p:spTree>
   </p:cSld>
   <p:clrMapOvr>
@@ -4965,80 +5319,9 @@
           <a:chExt cx="0" cy="0"/>
         </a:xfrm>
       </p:grpSpPr>
-      <p:sp>
-        <p:nvSpPr>
-          <p:cNvPr id="116" name="Shape 116"/>
-          <p:cNvSpPr txBox="1"/>
-          <p:nvPr>
-            <p:ph type="title"/>
-          </p:nvPr>
-        </p:nvSpPr>
-        <p:spPr>
-          <a:xfrm>
-            <a:off x="311700" y="445025"/>
-            <a:ext cx="8520600" cy="572700"/>
-          </a:xfrm>
-          <a:prstGeom prst="rect">
-            <a:avLst/>
-          </a:prstGeom>
-        </p:spPr>
-        <p:txBody>
-          <a:bodyPr anchorCtr="0" anchor="t" bIns="91425" lIns="91425" rIns="91425" tIns="91425">
-            <a:noAutofit/>
-          </a:bodyPr>
-          <a:lstStyle/>
-          <a:p>
-            <a:pPr lvl="0">
-              <a:spcBef>
-                <a:spcPts val="0"/>
-              </a:spcBef>
-              <a:buNone/>
-            </a:pPr>
-            <a:r>
-              <a:rPr lang="en"/>
-              <a:t>Fault Injections</a:t>
-            </a:r>
-          </a:p>
-        </p:txBody>
-      </p:sp>
-      <p:sp>
-        <p:nvSpPr>
-          <p:cNvPr id="117" name="Shape 117"/>
-          <p:cNvSpPr txBox="1"/>
-          <p:nvPr>
-            <p:ph idx="1" type="body"/>
-          </p:nvPr>
-        </p:nvSpPr>
-        <p:spPr>
-          <a:xfrm>
-            <a:off x="311700" y="1152475"/>
-            <a:ext cx="8520600" cy="3416400"/>
-          </a:xfrm>
-          <a:prstGeom prst="rect">
-            <a:avLst/>
-          </a:prstGeom>
-        </p:spPr>
-        <p:txBody>
-          <a:bodyPr anchorCtr="0" anchor="t" bIns="91425" lIns="91425" rIns="91425" tIns="91425">
-            <a:noAutofit/>
-          </a:bodyPr>
-          <a:lstStyle/>
-          <a:p>
-            <a:pPr indent="-228600" lvl="0" marL="457200">
-              <a:spcBef>
-                <a:spcPts val="0"/>
-              </a:spcBef>
-            </a:pPr>
-            <a:r>
-              <a:rPr lang="en"/>
-              <a:t>Java’s Calendar object starts the month of january with 0, which made it an easytarget for fault injection because the Flexidate object takes in two Calendars as input. </a:t>
-            </a:r>
-          </a:p>
-        </p:txBody>
-      </p:sp>
       <p:pic>
         <p:nvPicPr>
-          <p:cNvPr descr="Screen Shot 2016-11-30 at 7.51.16 PM.png" id="118" name="Shape 118"/>
+          <p:cNvPr descr="Screen Shot 2016-11-30 at 7.47.44 PM.png" id="116" name="Shape 116"/>
           <p:cNvPicPr preferRelativeResize="0"/>
           <p:nvPr/>
         </p:nvPicPr>
@@ -5052,8 +5335,36 @@
         </p:blipFill>
         <p:spPr>
           <a:xfrm>
-            <a:off x="493225" y="3273274"/>
-            <a:ext cx="8339074" cy="1295600"/>
+            <a:off x="1724225" y="128675"/>
+            <a:ext cx="5373573" cy="2957135"/>
+          </a:xfrm>
+          <a:prstGeom prst="rect">
+            <a:avLst/>
+          </a:prstGeom>
+          <a:noFill/>
+          <a:ln>
+            <a:noFill/>
+          </a:ln>
+        </p:spPr>
+      </p:pic>
+      <p:pic>
+        <p:nvPicPr>
+          <p:cNvPr descr="Screen Shot 2016-11-30 at 7.49.05 PM.png" id="117" name="Shape 117"/>
+          <p:cNvPicPr preferRelativeResize="0"/>
+          <p:nvPr/>
+        </p:nvPicPr>
+        <p:blipFill>
+          <a:blip r:embed="rId4">
+            <a:alphaModFix/>
+          </a:blip>
+          <a:stretch>
+            <a:fillRect/>
+          </a:stretch>
+        </p:blipFill>
+        <p:spPr>
+          <a:xfrm>
+            <a:off x="1724225" y="3015549"/>
+            <a:ext cx="5373584" cy="1941750"/>
           </a:xfrm>
           <a:prstGeom prst="rect">
             <a:avLst/>
@@ -5077,7 +5388,7 @@
   <p:cSld>
     <p:spTree>
       <p:nvGrpSpPr>
-        <p:cNvPr id="122" name="Shape 122"/>
+        <p:cNvPr id="121" name="Shape 121"/>
         <p:cNvGrpSpPr/>
         <p:nvPr/>
       </p:nvGrpSpPr>
@@ -5091,7 +5402,7 @@
       </p:grpSpPr>
       <p:sp>
         <p:nvSpPr>
-          <p:cNvPr id="123" name="Shape 123"/>
+          <p:cNvPr id="122" name="Shape 122"/>
           <p:cNvSpPr txBox="1"/>
           <p:nvPr>
             <p:ph type="title"/>
@@ -5120,14 +5431,14 @@
             </a:pPr>
             <a:r>
               <a:rPr lang="en"/>
-              <a:t>Fault Injections (cont.)</a:t>
+              <a:t>Fault Injections</a:t>
             </a:r>
           </a:p>
         </p:txBody>
       </p:sp>
       <p:sp>
         <p:nvSpPr>
-          <p:cNvPr id="124" name="Shape 124"/>
+          <p:cNvPr id="123" name="Shape 123"/>
           <p:cNvSpPr txBox="1"/>
           <p:nvPr>
             <p:ph idx="1" type="body"/>
@@ -5155,14 +5466,14 @@
             </a:pPr>
             <a:r>
               <a:rPr lang="en"/>
-              <a:t>Another example of a fault injection we performed was switching the logic for setting the low date before the high date and as a result negative values occurred when finding the range between the two</a:t>
+              <a:t>Java’s Calendar object starts the month of january with 0, which made it an easy target for fault injection. </a:t>
             </a:r>
           </a:p>
         </p:txBody>
       </p:sp>
       <p:pic>
         <p:nvPicPr>
-          <p:cNvPr descr="Screen Shot 2016-11-30 at 8.00.31 PM.png" id="125" name="Shape 125"/>
+          <p:cNvPr descr="Screen Shot 2016-11-30 at 7.51.16 PM.png" id="124" name="Shape 124"/>
           <p:cNvPicPr preferRelativeResize="0"/>
           <p:nvPr/>
         </p:nvPicPr>
@@ -5176,8 +5487,8 @@
         </p:blipFill>
         <p:spPr>
           <a:xfrm>
-            <a:off x="311700" y="2573075"/>
-            <a:ext cx="8520600" cy="2030967"/>
+            <a:off x="402462" y="2212874"/>
+            <a:ext cx="8339074" cy="1295600"/>
           </a:xfrm>
           <a:prstGeom prst="rect">
             <a:avLst/>
@@ -5188,6 +5499,294 @@
           </a:ln>
         </p:spPr>
       </p:pic>
+    </p:spTree>
+  </p:cSld>
+  <p:clrMapOvr>
+    <a:masterClrMapping/>
+  </p:clrMapOvr>
+</p:sld>
+</file>
+
+<file path=ppt/slides/slide13.xml><?xml version="1.0" encoding="utf-8"?>
+<p:sld xmlns:a="http://schemas.openxmlformats.org/drawingml/2006/main" xmlns:r="http://schemas.openxmlformats.org/officeDocument/2006/relationships" xmlns:mc="http://schemas.openxmlformats.org/markup-compatibility/2006" xmlns:mv="urn:schemas-microsoft-com:mac:vml" xmlns:p="http://schemas.openxmlformats.org/presentationml/2006/main" xmlns:c="http://schemas.openxmlformats.org/drawingml/2006/chart" xmlns:dgm="http://schemas.openxmlformats.org/drawingml/2006/diagram" xmlns:o="urn:schemas-microsoft-com:office:office" xmlns:v="urn:schemas-microsoft-com:vml" xmlns:pvml="urn:schemas-microsoft-com:office:powerpoint" xmlns:com="http://schemas.openxmlformats.org/drawingml/2006/compatibility" xmlns:p14="http://schemas.microsoft.com/office/powerpoint/2010/main">
+  <p:cSld>
+    <p:spTree>
+      <p:nvGrpSpPr>
+        <p:cNvPr id="128" name="Shape 128"/>
+        <p:cNvGrpSpPr/>
+        <p:nvPr/>
+      </p:nvGrpSpPr>
+      <p:grpSpPr>
+        <a:xfrm>
+          <a:off x="0" y="0"/>
+          <a:ext cx="0" cy="0"/>
+          <a:chOff x="0" y="0"/>
+          <a:chExt cx="0" cy="0"/>
+        </a:xfrm>
+      </p:grpSpPr>
+      <p:sp>
+        <p:nvSpPr>
+          <p:cNvPr id="129" name="Shape 129"/>
+          <p:cNvSpPr txBox="1"/>
+          <p:nvPr>
+            <p:ph type="title"/>
+          </p:nvPr>
+        </p:nvSpPr>
+        <p:spPr>
+          <a:xfrm>
+            <a:off x="311700" y="445025"/>
+            <a:ext cx="8520600" cy="572700"/>
+          </a:xfrm>
+          <a:prstGeom prst="rect">
+            <a:avLst/>
+          </a:prstGeom>
+        </p:spPr>
+        <p:txBody>
+          <a:bodyPr anchorCtr="0" anchor="t" bIns="91425" lIns="91425" rIns="91425" tIns="91425">
+            <a:noAutofit/>
+          </a:bodyPr>
+          <a:lstStyle/>
+          <a:p>
+            <a:pPr lvl="0">
+              <a:spcBef>
+                <a:spcPts val="0"/>
+              </a:spcBef>
+              <a:buNone/>
+            </a:pPr>
+            <a:r>
+              <a:rPr lang="en"/>
+              <a:t>Fault Injections (cont.)</a:t>
+            </a:r>
+          </a:p>
+        </p:txBody>
+      </p:sp>
+      <p:sp>
+        <p:nvSpPr>
+          <p:cNvPr id="130" name="Shape 130"/>
+          <p:cNvSpPr txBox="1"/>
+          <p:nvPr>
+            <p:ph idx="1" type="body"/>
+          </p:nvPr>
+        </p:nvSpPr>
+        <p:spPr>
+          <a:xfrm>
+            <a:off x="311700" y="1152475"/>
+            <a:ext cx="8520600" cy="3416400"/>
+          </a:xfrm>
+          <a:prstGeom prst="rect">
+            <a:avLst/>
+          </a:prstGeom>
+        </p:spPr>
+        <p:txBody>
+          <a:bodyPr anchorCtr="0" anchor="t" bIns="91425" lIns="91425" rIns="91425" tIns="91425">
+            <a:noAutofit/>
+          </a:bodyPr>
+          <a:lstStyle/>
+          <a:p>
+            <a:pPr indent="-228600" lvl="0" marL="457200">
+              <a:spcBef>
+                <a:spcPts val="0"/>
+              </a:spcBef>
+            </a:pPr>
+            <a:r>
+              <a:rPr lang="en"/>
+              <a:t>Another example of a fault injection we performed was switching the logic for setting the correct date as the low date</a:t>
+            </a:r>
+          </a:p>
+        </p:txBody>
+      </p:sp>
+      <p:pic>
+        <p:nvPicPr>
+          <p:cNvPr descr="Screen Shot 2016-11-30 at 8.00.31 PM.png" id="131" name="Shape 131"/>
+          <p:cNvPicPr preferRelativeResize="0"/>
+          <p:nvPr/>
+        </p:nvPicPr>
+        <p:blipFill>
+          <a:blip r:embed="rId3">
+            <a:alphaModFix/>
+          </a:blip>
+          <a:stretch>
+            <a:fillRect/>
+          </a:stretch>
+        </p:blipFill>
+        <p:spPr>
+          <a:xfrm>
+            <a:off x="311700" y="2573075"/>
+            <a:ext cx="8520600" cy="2030967"/>
+          </a:xfrm>
+          <a:prstGeom prst="rect">
+            <a:avLst/>
+          </a:prstGeom>
+          <a:noFill/>
+          <a:ln>
+            <a:noFill/>
+          </a:ln>
+        </p:spPr>
+      </p:pic>
+    </p:spTree>
+  </p:cSld>
+  <p:clrMapOvr>
+    <a:masterClrMapping/>
+  </p:clrMapOvr>
+</p:sld>
+</file>
+
+<file path=ppt/slides/slide14.xml><?xml version="1.0" encoding="utf-8"?>
+<p:sld xmlns:a="http://schemas.openxmlformats.org/drawingml/2006/main" xmlns:r="http://schemas.openxmlformats.org/officeDocument/2006/relationships" xmlns:mc="http://schemas.openxmlformats.org/markup-compatibility/2006" xmlns:mv="urn:schemas-microsoft-com:mac:vml" xmlns:p="http://schemas.openxmlformats.org/presentationml/2006/main" xmlns:c="http://schemas.openxmlformats.org/drawingml/2006/chart" xmlns:dgm="http://schemas.openxmlformats.org/drawingml/2006/diagram" xmlns:o="urn:schemas-microsoft-com:office:office" xmlns:v="urn:schemas-microsoft-com:vml" xmlns:pvml="urn:schemas-microsoft-com:office:powerpoint" xmlns:com="http://schemas.openxmlformats.org/drawingml/2006/compatibility" xmlns:p14="http://schemas.microsoft.com/office/powerpoint/2010/main">
+  <p:cSld>
+    <p:spTree>
+      <p:nvGrpSpPr>
+        <p:cNvPr id="135" name="Shape 135"/>
+        <p:cNvGrpSpPr/>
+        <p:nvPr/>
+      </p:nvGrpSpPr>
+      <p:grpSpPr>
+        <a:xfrm>
+          <a:off x="0" y="0"/>
+          <a:ext cx="0" cy="0"/>
+          <a:chOff x="0" y="0"/>
+          <a:chExt cx="0" cy="0"/>
+        </a:xfrm>
+      </p:grpSpPr>
+      <p:sp>
+        <p:nvSpPr>
+          <p:cNvPr id="136" name="Shape 136"/>
+          <p:cNvSpPr txBox="1"/>
+          <p:nvPr>
+            <p:ph type="title"/>
+          </p:nvPr>
+        </p:nvSpPr>
+        <p:spPr>
+          <a:xfrm>
+            <a:off x="311700" y="498275"/>
+            <a:ext cx="8520600" cy="572700"/>
+          </a:xfrm>
+          <a:prstGeom prst="rect">
+            <a:avLst/>
+          </a:prstGeom>
+        </p:spPr>
+        <p:txBody>
+          <a:bodyPr anchorCtr="0" anchor="t" bIns="91425" lIns="91425" rIns="91425" tIns="91425">
+            <a:noAutofit/>
+          </a:bodyPr>
+          <a:lstStyle/>
+          <a:p>
+            <a:pPr lvl="0">
+              <a:spcBef>
+                <a:spcPts val="0"/>
+              </a:spcBef>
+              <a:buNone/>
+            </a:pPr>
+            <a:r>
+              <a:rPr lang="en"/>
+              <a:t>What did we learn?</a:t>
+            </a:r>
+          </a:p>
+        </p:txBody>
+      </p:sp>
+      <p:sp>
+        <p:nvSpPr>
+          <p:cNvPr id="137" name="Shape 137"/>
+          <p:cNvSpPr txBox="1"/>
+          <p:nvPr>
+            <p:ph idx="1" type="body"/>
+          </p:nvPr>
+        </p:nvSpPr>
+        <p:spPr>
+          <a:xfrm>
+            <a:off x="311700" y="1152475"/>
+            <a:ext cx="8520600" cy="3416400"/>
+          </a:xfrm>
+          <a:prstGeom prst="rect">
+            <a:avLst/>
+          </a:prstGeom>
+        </p:spPr>
+        <p:txBody>
+          <a:bodyPr anchorCtr="0" anchor="t" bIns="91425" lIns="91425" rIns="91425" tIns="91425">
+            <a:noAutofit/>
+          </a:bodyPr>
+          <a:lstStyle/>
+          <a:p>
+            <a:pPr indent="-228600" lvl="0" marL="457200" rtl="0">
+              <a:spcBef>
+                <a:spcPts val="0"/>
+              </a:spcBef>
+            </a:pPr>
+            <a:r>
+              <a:rPr lang="en"/>
+              <a:t>Set small achievable goals and build on them</a:t>
+            </a:r>
+          </a:p>
+          <a:p>
+            <a:pPr indent="-228600" lvl="0" marL="457200" rtl="0">
+              <a:spcBef>
+                <a:spcPts val="0"/>
+              </a:spcBef>
+            </a:pPr>
+            <a:r>
+              <a:rPr lang="en"/>
+              <a:t>It will take longer than you think</a:t>
+            </a:r>
+          </a:p>
+          <a:p>
+            <a:pPr indent="-228600" lvl="0" marL="457200" rtl="0">
+              <a:spcBef>
+                <a:spcPts val="0"/>
+              </a:spcBef>
+            </a:pPr>
+            <a:r>
+              <a:rPr lang="en"/>
+              <a:t>Benefits of meeting face to face</a:t>
+            </a:r>
+          </a:p>
+          <a:p>
+            <a:pPr indent="-228600" lvl="0" marL="457200" rtl="0">
+              <a:spcBef>
+                <a:spcPts val="0"/>
+              </a:spcBef>
+            </a:pPr>
+            <a:r>
+              <a:rPr lang="en"/>
+              <a:t>Communication is key (SLACK)</a:t>
+            </a:r>
+          </a:p>
+          <a:p>
+            <a:pPr indent="-228600" lvl="0" marL="457200" rtl="0">
+              <a:spcBef>
+                <a:spcPts val="0"/>
+              </a:spcBef>
+            </a:pPr>
+            <a:r>
+              <a:rPr lang="en"/>
+              <a:t>Github is a valuable tool</a:t>
+            </a:r>
+          </a:p>
+          <a:p>
+            <a:pPr lvl="0" rtl="0">
+              <a:spcBef>
+                <a:spcPts val="0"/>
+              </a:spcBef>
+              <a:buNone/>
+            </a:pPr>
+            <a:r>
+              <a:t/>
+            </a:r>
+            <a:endParaRPr/>
+          </a:p>
+          <a:p>
+            <a:pPr lvl="0">
+              <a:spcBef>
+                <a:spcPts val="0"/>
+              </a:spcBef>
+              <a:buNone/>
+            </a:pPr>
+            <a:r>
+              <a:t/>
+            </a:r>
+            <a:endParaRPr/>
+          </a:p>
+        </p:txBody>
+      </p:sp>
     </p:spTree>
   </p:cSld>
   <p:clrMapOvr>
@@ -5362,7 +5961,7 @@
             </a:pPr>
             <a:r>
               <a:rPr lang="en"/>
-              <a:t>Hopeful Beginnings</a:t>
+              <a:t>First things First</a:t>
             </a:r>
           </a:p>
         </p:txBody>
@@ -5397,7 +5996,7 @@
             </a:pPr>
             <a:r>
               <a:rPr lang="en"/>
-              <a:t>After finalizing martus as our project, we wanted to try something new and explore the android platform for martus.</a:t>
+              <a:t>Trouble downloading Ubuntu because our computers could only run the 64 bit version and not the 32</a:t>
             </a:r>
           </a:p>
           <a:p>
@@ -5408,7 +6007,7 @@
             </a:pPr>
             <a:r>
               <a:rPr lang="en"/>
-              <a:t> Building the android app was a very streamlined process using the gradle build system</a:t>
+              <a:t>After downloading the repository, the first virtual machine slowed completely down and we had to make a new. And allocate more memory to it</a:t>
             </a:r>
           </a:p>
           <a:p>
@@ -5419,63 +6018,11 @@
             </a:pPr>
             <a:r>
               <a:rPr lang="en"/>
-              <a:t>We were able to get the app to run on a Nexus 4 emulator</a:t>
-            </a:r>
-          </a:p>
-          <a:p>
-            <a:pPr lvl="0" rtl="0">
-              <a:spcBef>
-                <a:spcPts val="0"/>
-              </a:spcBef>
-              <a:buNone/>
-            </a:pPr>
-            <a:r>
-              <a:t/>
-            </a:r>
-            <a:endParaRPr/>
-          </a:p>
-          <a:p>
-            <a:pPr lvl="0" rtl="0">
-              <a:spcBef>
-                <a:spcPts val="0"/>
-              </a:spcBef>
-              <a:buNone/>
-            </a:pPr>
-            <a:r>
-              <a:t/>
-            </a:r>
-            <a:endParaRPr/>
+              <a:t>Learn the different commands to navigate the Linux command line</a:t>
+            </a:r>
           </a:p>
         </p:txBody>
       </p:sp>
-      <p:pic>
-        <p:nvPicPr>
-          <p:cNvPr descr="martus-android-screenshot.png" id="68" name="Shape 68"/>
-          <p:cNvPicPr preferRelativeResize="0"/>
-          <p:nvPr/>
-        </p:nvPicPr>
-        <p:blipFill>
-          <a:blip r:embed="rId3">
-            <a:alphaModFix/>
-          </a:blip>
-          <a:stretch>
-            <a:fillRect/>
-          </a:stretch>
-        </p:blipFill>
-        <p:spPr>
-          <a:xfrm>
-            <a:off x="1779000" y="2849550"/>
-            <a:ext cx="4181675" cy="2013024"/>
-          </a:xfrm>
-          <a:prstGeom prst="rect">
-            <a:avLst/>
-          </a:prstGeom>
-          <a:noFill/>
-          <a:ln>
-            <a:noFill/>
-          </a:ln>
-        </p:spPr>
-      </p:pic>
     </p:spTree>
   </p:cSld>
   <p:clrMapOvr>
@@ -5489,7 +6036,7 @@
   <p:cSld>
     <p:spTree>
       <p:nvGrpSpPr>
-        <p:cNvPr id="72" name="Shape 72"/>
+        <p:cNvPr id="71" name="Shape 71"/>
         <p:cNvGrpSpPr/>
         <p:nvPr/>
       </p:nvGrpSpPr>
@@ -5503,7 +6050,7 @@
       </p:grpSpPr>
       <p:sp>
         <p:nvSpPr>
-          <p:cNvPr id="73" name="Shape 73"/>
+          <p:cNvPr id="72" name="Shape 72"/>
           <p:cNvSpPr txBox="1"/>
           <p:nvPr>
             <p:ph type="title"/>
@@ -5532,14 +6079,14 @@
             </a:pPr>
             <a:r>
               <a:rPr lang="en"/>
-              <a:t>Cruel realizations</a:t>
+              <a:t>Hopeful Beginnings</a:t>
             </a:r>
           </a:p>
         </p:txBody>
       </p:sp>
       <p:sp>
         <p:nvSpPr>
-          <p:cNvPr id="74" name="Shape 74"/>
+          <p:cNvPr id="73" name="Shape 73"/>
           <p:cNvSpPr txBox="1"/>
           <p:nvPr>
             <p:ph idx="1" type="body"/>
@@ -5567,7 +6114,7 @@
             </a:pPr>
             <a:r>
               <a:rPr lang="en"/>
-              <a:t>Our original first five test cases were getter and onClick methods that related to the menu widgets in the application</a:t>
+              <a:t>After finalizing martus as our project, we wanted to try something new and explore the android platform for martus.</a:t>
             </a:r>
           </a:p>
           <a:p>
@@ -5578,7 +6125,7 @@
             </a:pPr>
             <a:r>
               <a:rPr lang="en"/>
-              <a:t>It seemed rather easy on paper…</a:t>
+              <a:t> Building the android app was a very streamlined process using the gradle build system</a:t>
             </a:r>
           </a:p>
           <a:p>
@@ -5589,22 +6136,11 @@
             </a:pPr>
             <a:r>
               <a:rPr lang="en"/>
-              <a:t>Figuring out a way to compile the dependencies became incredibly difficult and time consuming</a:t>
-            </a:r>
-          </a:p>
-          <a:p>
-            <a:pPr indent="-228600" lvl="0" marL="457200" rtl="0">
-              <a:spcBef>
-                <a:spcPts val="0"/>
-              </a:spcBef>
-            </a:pPr>
-            <a:r>
-              <a:rPr lang="en"/>
-              <a:t>On top of that we had to figure out a way to interact with the GUI to run several of the tests</a:t>
-            </a:r>
-          </a:p>
-          <a:p>
-            <a:pPr lvl="0">
+              <a:t>We were able to get the app to run on a Nexus 4 emulator</a:t>
+            </a:r>
+          </a:p>
+          <a:p>
+            <a:pPr lvl="0" rtl="0">
               <a:spcBef>
                 <a:spcPts val="0"/>
               </a:spcBef>
@@ -5615,8 +6151,48 @@
             </a:r>
             <a:endParaRPr/>
           </a:p>
+          <a:p>
+            <a:pPr lvl="0" rtl="0">
+              <a:spcBef>
+                <a:spcPts val="0"/>
+              </a:spcBef>
+              <a:buNone/>
+            </a:pPr>
+            <a:r>
+              <a:t/>
+            </a:r>
+            <a:endParaRPr/>
+          </a:p>
         </p:txBody>
       </p:sp>
+      <p:pic>
+        <p:nvPicPr>
+          <p:cNvPr descr="martus-android-screenshot.png" id="74" name="Shape 74"/>
+          <p:cNvPicPr preferRelativeResize="0"/>
+          <p:nvPr/>
+        </p:nvPicPr>
+        <p:blipFill>
+          <a:blip r:embed="rId3">
+            <a:alphaModFix/>
+          </a:blip>
+          <a:stretch>
+            <a:fillRect/>
+          </a:stretch>
+        </p:blipFill>
+        <p:spPr>
+          <a:xfrm>
+            <a:off x="1779000" y="2849550"/>
+            <a:ext cx="4181675" cy="2013024"/>
+          </a:xfrm>
+          <a:prstGeom prst="rect">
+            <a:avLst/>
+          </a:prstGeom>
+          <a:noFill/>
+          <a:ln>
+            <a:noFill/>
+          </a:ln>
+        </p:spPr>
+      </p:pic>
     </p:spTree>
   </p:cSld>
   <p:clrMapOvr>
@@ -5673,7 +6249,7 @@
             </a:pPr>
             <a:r>
               <a:rPr lang="en"/>
-              <a:t>Rome wasn’t built in a day</a:t>
+              <a:t>Cruel realizations</a:t>
             </a:r>
           </a:p>
         </p:txBody>
@@ -5708,6 +6284,147 @@
             </a:pPr>
             <a:r>
               <a:rPr lang="en"/>
+              <a:t>Our original first five test cases were getter and onClick methods that related to the menu widgets in the application</a:t>
+            </a:r>
+          </a:p>
+          <a:p>
+            <a:pPr indent="-228600" lvl="0" marL="457200" rtl="0">
+              <a:spcBef>
+                <a:spcPts val="0"/>
+              </a:spcBef>
+            </a:pPr>
+            <a:r>
+              <a:rPr lang="en"/>
+              <a:t>It seemed rather easy on paper…</a:t>
+            </a:r>
+          </a:p>
+          <a:p>
+            <a:pPr indent="-228600" lvl="0" marL="457200" rtl="0">
+              <a:spcBef>
+                <a:spcPts val="0"/>
+              </a:spcBef>
+            </a:pPr>
+            <a:r>
+              <a:rPr lang="en"/>
+              <a:t>Figuring out a way to compile the dependencies became incredibly difficult and time consuming especially with the lack of documentation</a:t>
+            </a:r>
+          </a:p>
+          <a:p>
+            <a:pPr indent="-228600" lvl="0" marL="457200" rtl="0">
+              <a:spcBef>
+                <a:spcPts val="0"/>
+              </a:spcBef>
+            </a:pPr>
+            <a:r>
+              <a:rPr lang="en"/>
+              <a:t>On top of that we had to figure out a way to interact with the GUI to run several of the tests</a:t>
+            </a:r>
+          </a:p>
+          <a:p>
+            <a:pPr lvl="0">
+              <a:spcBef>
+                <a:spcPts val="0"/>
+              </a:spcBef>
+              <a:buNone/>
+            </a:pPr>
+            <a:r>
+              <a:t/>
+            </a:r>
+            <a:endParaRPr/>
+          </a:p>
+        </p:txBody>
+      </p:sp>
+    </p:spTree>
+  </p:cSld>
+  <p:clrMapOvr>
+    <a:masterClrMapping/>
+  </p:clrMapOvr>
+</p:sld>
+</file>
+
+<file path=ppt/slides/slide6.xml><?xml version="1.0" encoding="utf-8"?>
+<p:sld xmlns:a="http://schemas.openxmlformats.org/drawingml/2006/main" xmlns:r="http://schemas.openxmlformats.org/officeDocument/2006/relationships" xmlns:mc="http://schemas.openxmlformats.org/markup-compatibility/2006" xmlns:mv="urn:schemas-microsoft-com:mac:vml" xmlns:p="http://schemas.openxmlformats.org/presentationml/2006/main" xmlns:c="http://schemas.openxmlformats.org/drawingml/2006/chart" xmlns:dgm="http://schemas.openxmlformats.org/drawingml/2006/diagram" xmlns:o="urn:schemas-microsoft-com:office:office" xmlns:v="urn:schemas-microsoft-com:vml" xmlns:pvml="urn:schemas-microsoft-com:office:powerpoint" xmlns:com="http://schemas.openxmlformats.org/drawingml/2006/compatibility" xmlns:p14="http://schemas.microsoft.com/office/powerpoint/2010/main">
+  <p:cSld>
+    <p:spTree>
+      <p:nvGrpSpPr>
+        <p:cNvPr id="84" name="Shape 84"/>
+        <p:cNvGrpSpPr/>
+        <p:nvPr/>
+      </p:nvGrpSpPr>
+      <p:grpSpPr>
+        <a:xfrm>
+          <a:off x="0" y="0"/>
+          <a:ext cx="0" cy="0"/>
+          <a:chOff x="0" y="0"/>
+          <a:chExt cx="0" cy="0"/>
+        </a:xfrm>
+      </p:grpSpPr>
+      <p:sp>
+        <p:nvSpPr>
+          <p:cNvPr id="85" name="Shape 85"/>
+          <p:cNvSpPr txBox="1"/>
+          <p:nvPr>
+            <p:ph type="title"/>
+          </p:nvPr>
+        </p:nvSpPr>
+        <p:spPr>
+          <a:xfrm>
+            <a:off x="311700" y="445025"/>
+            <a:ext cx="8520600" cy="572700"/>
+          </a:xfrm>
+          <a:prstGeom prst="rect">
+            <a:avLst/>
+          </a:prstGeom>
+        </p:spPr>
+        <p:txBody>
+          <a:bodyPr anchorCtr="0" anchor="t" bIns="91425" lIns="91425" rIns="91425" tIns="91425">
+            <a:noAutofit/>
+          </a:bodyPr>
+          <a:lstStyle/>
+          <a:p>
+            <a:pPr lvl="0">
+              <a:spcBef>
+                <a:spcPts val="0"/>
+              </a:spcBef>
+              <a:buNone/>
+            </a:pPr>
+            <a:r>
+              <a:rPr lang="en"/>
+              <a:t>Rome wasn’t built in a day</a:t>
+            </a:r>
+          </a:p>
+        </p:txBody>
+      </p:sp>
+      <p:sp>
+        <p:nvSpPr>
+          <p:cNvPr id="86" name="Shape 86"/>
+          <p:cNvSpPr txBox="1"/>
+          <p:nvPr>
+            <p:ph idx="1" type="body"/>
+          </p:nvPr>
+        </p:nvSpPr>
+        <p:spPr>
+          <a:xfrm>
+            <a:off x="311700" y="1152475"/>
+            <a:ext cx="8520600" cy="3416400"/>
+          </a:xfrm>
+          <a:prstGeom prst="rect">
+            <a:avLst/>
+          </a:prstGeom>
+        </p:spPr>
+        <p:txBody>
+          <a:bodyPr anchorCtr="0" anchor="t" bIns="91425" lIns="91425" rIns="91425" tIns="91425">
+            <a:noAutofit/>
+          </a:bodyPr>
+          <a:lstStyle/>
+          <a:p>
+            <a:pPr indent="-228600" lvl="0" marL="457200" rtl="0">
+              <a:spcBef>
+                <a:spcPts val="0"/>
+              </a:spcBef>
+            </a:pPr>
+            <a:r>
+              <a:rPr lang="en"/>
               <a:t>We had to be Flexible…</a:t>
             </a:r>
           </a:p>
@@ -5719,7 +6436,7 @@
             </a:pPr>
             <a:r>
               <a:rPr lang="en"/>
-              <a:t>..or should I say Flexidate</a:t>
+              <a:t>..or should we say Flexidate</a:t>
             </a:r>
           </a:p>
           <a:p>
@@ -5785,7 +6502,7 @@
                                           </p:stCondLst>
                                         </p:cTn>
                                         <p:tgtEl>
-                                          <p:spTgt spid="80">
+                                          <p:spTgt spid="86">
                                             <p:txEl>
                                               <p:pRg end="0" st="0"/>
                                             </p:txEl>
@@ -5803,7 +6520,7 @@
                                       <p:cBhvr>
                                         <p:cTn dur="1000"/>
                                         <p:tgtEl>
-                                          <p:spTgt spid="80">
+                                          <p:spTgt spid="86">
                                             <p:txEl>
                                               <p:pRg end="0" st="0"/>
                                             </p:txEl>
@@ -5846,7 +6563,7 @@
                                           </p:stCondLst>
                                         </p:cTn>
                                         <p:tgtEl>
-                                          <p:spTgt spid="80">
+                                          <p:spTgt spid="86">
                                             <p:txEl>
                                               <p:pRg end="1" st="1"/>
                                             </p:txEl>
@@ -5864,7 +6581,7 @@
                                       <p:cBhvr>
                                         <p:cTn dur="1000"/>
                                         <p:tgtEl>
-                                          <p:spTgt spid="80">
+                                          <p:spTgt spid="86">
                                             <p:txEl>
                                               <p:pRg end="1" st="1"/>
                                             </p:txEl>
@@ -5907,7 +6624,7 @@
                                           </p:stCondLst>
                                         </p:cTn>
                                         <p:tgtEl>
-                                          <p:spTgt spid="80">
+                                          <p:spTgt spid="86">
                                             <p:txEl>
                                               <p:pRg end="2" st="2"/>
                                             </p:txEl>
@@ -5925,7 +6642,7 @@
                                       <p:cBhvr>
                                         <p:cTn dur="1000"/>
                                         <p:tgtEl>
-                                          <p:spTgt spid="80">
+                                          <p:spTgt spid="86">
                                             <p:txEl>
                                               <p:pRg end="2" st="2"/>
                                             </p:txEl>
@@ -5968,7 +6685,7 @@
                                           </p:stCondLst>
                                         </p:cTn>
                                         <p:tgtEl>
-                                          <p:spTgt spid="80">
+                                          <p:spTgt spid="86">
                                             <p:txEl>
                                               <p:pRg end="3" st="3"/>
                                             </p:txEl>
@@ -5986,7 +6703,7 @@
                                       <p:cBhvr>
                                         <p:cTn dur="1000"/>
                                         <p:tgtEl>
-                                          <p:spTgt spid="80">
+                                          <p:spTgt spid="86">
                                             <p:txEl>
                                               <p:pRg end="3" st="3"/>
                                             </p:txEl>
@@ -6028,147 +6745,6 @@
 </p:sld>
 </file>
 
-<file path=ppt/slides/slide6.xml><?xml version="1.0" encoding="utf-8"?>
-<p:sld xmlns:a="http://schemas.openxmlformats.org/drawingml/2006/main" xmlns:r="http://schemas.openxmlformats.org/officeDocument/2006/relationships" xmlns:mc="http://schemas.openxmlformats.org/markup-compatibility/2006" xmlns:mv="urn:schemas-microsoft-com:mac:vml" xmlns:p="http://schemas.openxmlformats.org/presentationml/2006/main" xmlns:c="http://schemas.openxmlformats.org/drawingml/2006/chart" xmlns:dgm="http://schemas.openxmlformats.org/drawingml/2006/diagram" xmlns:o="urn:schemas-microsoft-com:office:office" xmlns:v="urn:schemas-microsoft-com:vml" xmlns:pvml="urn:schemas-microsoft-com:office:powerpoint" xmlns:com="http://schemas.openxmlformats.org/drawingml/2006/compatibility" xmlns:p14="http://schemas.microsoft.com/office/powerpoint/2010/main">
-  <p:cSld>
-    <p:spTree>
-      <p:nvGrpSpPr>
-        <p:cNvPr id="84" name="Shape 84"/>
-        <p:cNvGrpSpPr/>
-        <p:nvPr/>
-      </p:nvGrpSpPr>
-      <p:grpSpPr>
-        <a:xfrm>
-          <a:off x="0" y="0"/>
-          <a:ext cx="0" cy="0"/>
-          <a:chOff x="0" y="0"/>
-          <a:chExt cx="0" cy="0"/>
-        </a:xfrm>
-      </p:grpSpPr>
-      <p:sp>
-        <p:nvSpPr>
-          <p:cNvPr id="85" name="Shape 85"/>
-          <p:cNvSpPr txBox="1"/>
-          <p:nvPr>
-            <p:ph type="title"/>
-          </p:nvPr>
-        </p:nvSpPr>
-        <p:spPr>
-          <a:xfrm>
-            <a:off x="311700" y="445025"/>
-            <a:ext cx="8520600" cy="572700"/>
-          </a:xfrm>
-          <a:prstGeom prst="rect">
-            <a:avLst/>
-          </a:prstGeom>
-        </p:spPr>
-        <p:txBody>
-          <a:bodyPr anchorCtr="0" anchor="t" bIns="91425" lIns="91425" rIns="91425" tIns="91425">
-            <a:noAutofit/>
-          </a:bodyPr>
-          <a:lstStyle/>
-          <a:p>
-            <a:pPr lvl="0">
-              <a:spcBef>
-                <a:spcPts val="0"/>
-              </a:spcBef>
-              <a:buNone/>
-            </a:pPr>
-            <a:r>
-              <a:rPr lang="en"/>
-              <a:t>Let’s get flexible </a:t>
-            </a:r>
-          </a:p>
-        </p:txBody>
-      </p:sp>
-      <p:sp>
-        <p:nvSpPr>
-          <p:cNvPr id="86" name="Shape 86"/>
-          <p:cNvSpPr txBox="1"/>
-          <p:nvPr>
-            <p:ph idx="1" type="body"/>
-          </p:nvPr>
-        </p:nvSpPr>
-        <p:spPr>
-          <a:xfrm>
-            <a:off x="311700" y="1152475"/>
-            <a:ext cx="8520600" cy="3416400"/>
-          </a:xfrm>
-          <a:prstGeom prst="rect">
-            <a:avLst/>
-          </a:prstGeom>
-        </p:spPr>
-        <p:txBody>
-          <a:bodyPr anchorCtr="0" anchor="t" bIns="91425" lIns="91425" rIns="91425" tIns="91425">
-            <a:noAutofit/>
-          </a:bodyPr>
-          <a:lstStyle/>
-          <a:p>
-            <a:pPr indent="-228600" lvl="0" marL="457200" rtl="0">
-              <a:spcBef>
-                <a:spcPts val="0"/>
-              </a:spcBef>
-            </a:pPr>
-            <a:r>
-              <a:rPr lang="en"/>
-              <a:t>The flexidate object takes in two calendar objects and sets the earlier date as the low date, and the other as the high.</a:t>
-            </a:r>
-          </a:p>
-          <a:p>
-            <a:pPr indent="-228600" lvl="0" marL="457200" rtl="0">
-              <a:spcBef>
-                <a:spcPts val="0"/>
-              </a:spcBef>
-            </a:pPr>
-            <a:r>
-              <a:rPr lang="en"/>
-              <a:t>With that in mind the we changed our first five test cases to test the getRange() method</a:t>
-            </a:r>
-          </a:p>
-          <a:p>
-            <a:pPr indent="-228600" lvl="0" marL="457200" rtl="0">
-              <a:spcBef>
-                <a:spcPts val="0"/>
-              </a:spcBef>
-            </a:pPr>
-            <a:r>
-              <a:rPr lang="en"/>
-              <a:t>The method returns the number of days between two dates</a:t>
-            </a:r>
-          </a:p>
-          <a:p>
-            <a:pPr indent="-228600" lvl="0" marL="457200" rtl="0">
-              <a:spcBef>
-                <a:spcPts val="0"/>
-              </a:spcBef>
-            </a:pPr>
-            <a:r>
-              <a:rPr lang="en"/>
-              <a:t>Proved to be very flexible, even recognizing the extra day from leap years</a:t>
-            </a:r>
-          </a:p>
-          <a:p>
-            <a:pPr lvl="0">
-              <a:spcBef>
-                <a:spcPts val="0"/>
-              </a:spcBef>
-              <a:buNone/>
-            </a:pPr>
-            <a:r>
-              <a:t/>
-            </a:r>
-            <a:endParaRPr/>
-          </a:p>
-        </p:txBody>
-      </p:sp>
-    </p:spTree>
-  </p:cSld>
-  <p:clrMapOvr>
-    <a:masterClrMapping/>
-  </p:clrMapOvr>
-</p:sld>
-</file>
-
 <file path=ppt/slides/slide7.xml><?xml version="1.0" encoding="utf-8"?>
 <p:sld xmlns:a="http://schemas.openxmlformats.org/drawingml/2006/main" xmlns:r="http://schemas.openxmlformats.org/officeDocument/2006/relationships" xmlns:mc="http://schemas.openxmlformats.org/markup-compatibility/2006" xmlns:mv="urn:schemas-microsoft-com:mac:vml" xmlns:p="http://schemas.openxmlformats.org/presentationml/2006/main" xmlns:c="http://schemas.openxmlformats.org/drawingml/2006/chart" xmlns:dgm="http://schemas.openxmlformats.org/drawingml/2006/diagram" xmlns:o="urn:schemas-microsoft-com:office:office" xmlns:v="urn:schemas-microsoft-com:vml" xmlns:pvml="urn:schemas-microsoft-com:office:powerpoint" xmlns:com="http://schemas.openxmlformats.org/drawingml/2006/compatibility" xmlns:p14="http://schemas.microsoft.com/office/powerpoint/2010/main">
   <p:cSld>
@@ -6217,7 +6793,7 @@
             </a:pPr>
             <a:r>
               <a:rPr lang="en"/>
-              <a:t>Testing Framework</a:t>
+              <a:t>Let’s get flexible </a:t>
             </a:r>
           </a:p>
         </p:txBody>
@@ -6252,7 +6828,7 @@
             </a:pPr>
             <a:r>
               <a:rPr lang="en"/>
-              <a:t>Small iterations that led to successful results were key in the development for our testing framework</a:t>
+              <a:t>The flexidate object takes in two calendar objects and sets the earlier date as the low date, and the other as the high.</a:t>
             </a:r>
           </a:p>
           <a:p>
@@ -6263,7 +6839,7 @@
             </a:pPr>
             <a:r>
               <a:rPr lang="en"/>
-              <a:t>We started with creating a simple test driver with hard coded inputs and method calls</a:t>
+              <a:t>With that in mind the we changed our first five test cases to test the getRange() method</a:t>
             </a:r>
           </a:p>
           <a:p>
@@ -6274,19 +6850,31 @@
             </a:pPr>
             <a:r>
               <a:rPr lang="en"/>
-              <a:t>The driver would write the result to a text file and we would compare it to the oracle ourselves</a:t>
-            </a:r>
-          </a:p>
-          <a:p>
-            <a:pPr indent="-228600" lvl="0" marL="457200">
+              <a:t>The method returns the number of days between two dates</a:t>
+            </a:r>
+          </a:p>
+          <a:p>
+            <a:pPr indent="-228600" lvl="0" marL="457200" rtl="0">
               <a:spcBef>
                 <a:spcPts val="0"/>
               </a:spcBef>
             </a:pPr>
             <a:r>
               <a:rPr lang="en"/>
-              <a:t>Once we knew our driver was behaving correctly we moved onto writing a script that would collect all the necessary information to run the test from the testCase files</a:t>
-            </a:r>
+              <a:t>Proved to be very flexible, even recognizing the extra day from leap years</a:t>
+            </a:r>
+          </a:p>
+          <a:p>
+            <a:pPr lvl="0">
+              <a:spcBef>
+                <a:spcPts val="0"/>
+              </a:spcBef>
+              <a:buNone/>
+            </a:pPr>
+            <a:r>
+              <a:t/>
+            </a:r>
+            <a:endParaRPr/>
           </a:p>
         </p:txBody>
       </p:sp>
@@ -6325,7 +6913,7 @@
         </p:nvSpPr>
         <p:spPr>
           <a:xfrm>
-            <a:off x="311700" y="338275"/>
+            <a:off x="311700" y="445025"/>
             <a:ext cx="8520600" cy="572700"/>
           </a:xfrm>
           <a:prstGeom prst="rect">
@@ -6342,29 +6930,12 @@
               <a:spcBef>
                 <a:spcPts val="0"/>
               </a:spcBef>
-              <a:buClr>
-                <a:schemeClr val="dk1"/>
-              </a:buClr>
-              <a:buSzPct val="39285"/>
-              <a:buFont typeface="Arial"/>
               <a:buNone/>
             </a:pPr>
             <a:r>
               <a:rPr lang="en"/>
-              <a:t>Testing Framework (cont.)</a:t>
-            </a:r>
-          </a:p>
-          <a:p>
-            <a:pPr lvl="0">
-              <a:spcBef>
-                <a:spcPts val="0"/>
-              </a:spcBef>
-              <a:buNone/>
-            </a:pPr>
-            <a:r>
-              <a:t/>
-            </a:r>
-            <a:endParaRPr/>
+              <a:t>Testing Framework</a:t>
+            </a:r>
           </a:p>
         </p:txBody>
       </p:sp>
@@ -6391,6 +6962,39 @@
           </a:bodyPr>
           <a:lstStyle/>
           <a:p>
+            <a:pPr indent="-228600" lvl="0" marL="457200" rtl="0">
+              <a:spcBef>
+                <a:spcPts val="0"/>
+              </a:spcBef>
+            </a:pPr>
+            <a:r>
+              <a:rPr lang="en"/>
+              <a:t>Small iterations that led to successful results were key in the development for our testing framework</a:t>
+            </a:r>
+          </a:p>
+          <a:p>
+            <a:pPr indent="-228600" lvl="0" marL="457200" rtl="0">
+              <a:spcBef>
+                <a:spcPts val="0"/>
+              </a:spcBef>
+            </a:pPr>
+            <a:r>
+              <a:rPr lang="en"/>
+              <a:t>We started with creating a simple test driver with hard coded inputs and method calls</a:t>
+            </a:r>
+          </a:p>
+          <a:p>
+            <a:pPr indent="-228600" lvl="0" marL="457200" rtl="0">
+              <a:spcBef>
+                <a:spcPts val="0"/>
+              </a:spcBef>
+            </a:pPr>
+            <a:r>
+              <a:rPr lang="en"/>
+              <a:t>The driver would write the result to a text file and we would compare it to the oracle ourselves</a:t>
+            </a:r>
+          </a:p>
+          <a:p>
             <a:pPr indent="-228600" lvl="0" marL="457200">
               <a:spcBef>
                 <a:spcPts val="0"/>
@@ -6398,39 +7002,11 @@
             </a:pPr>
             <a:r>
               <a:rPr lang="en"/>
-              <a:t>Below is an example of one of our test case files</a:t>
+              <a:t>Once we knew our driver was behaving correctly we moved onto writing a script that would collect all the necessary information to run the tests from the testCase files</a:t>
             </a:r>
           </a:p>
         </p:txBody>
       </p:sp>
-      <p:pic>
-        <p:nvPicPr>
-          <p:cNvPr id="99" name="Shape 99"/>
-          <p:cNvPicPr preferRelativeResize="0"/>
-          <p:nvPr/>
-        </p:nvPicPr>
-        <p:blipFill>
-          <a:blip r:embed="rId3">
-            <a:alphaModFix/>
-          </a:blip>
-          <a:stretch>
-            <a:fillRect/>
-          </a:stretch>
-        </p:blipFill>
-        <p:spPr>
-          <a:xfrm>
-            <a:off x="1177225" y="1711375"/>
-            <a:ext cx="5734050" cy="2857500"/>
-          </a:xfrm>
-          <a:prstGeom prst="rect">
-            <a:avLst/>
-          </a:prstGeom>
-          <a:noFill/>
-          <a:ln>
-            <a:noFill/>
-          </a:ln>
-        </p:spPr>
-      </p:pic>
     </p:spTree>
   </p:cSld>
   <p:clrMapOvr>
@@ -6444,7 +7020,7 @@
   <p:cSld>
     <p:spTree>
       <p:nvGrpSpPr>
-        <p:cNvPr id="103" name="Shape 103"/>
+        <p:cNvPr id="102" name="Shape 102"/>
         <p:cNvGrpSpPr/>
         <p:nvPr/>
       </p:nvGrpSpPr>
@@ -6458,7 +7034,7 @@
       </p:grpSpPr>
       <p:sp>
         <p:nvSpPr>
-          <p:cNvPr id="104" name="Shape 104"/>
+          <p:cNvPr id="103" name="Shape 103"/>
           <p:cNvSpPr txBox="1"/>
           <p:nvPr>
             <p:ph type="title"/>
@@ -6466,7 +7042,7 @@
         </p:nvSpPr>
         <p:spPr>
           <a:xfrm>
-            <a:off x="311700" y="445025"/>
+            <a:off x="311700" y="338275"/>
             <a:ext cx="8520600" cy="572700"/>
           </a:xfrm>
           <a:prstGeom prst="rect">
@@ -6511,7 +7087,7 @@
       </p:sp>
       <p:sp>
         <p:nvSpPr>
-          <p:cNvPr id="105" name="Shape 105"/>
+          <p:cNvPr id="104" name="Shape 104"/>
           <p:cNvSpPr txBox="1"/>
           <p:nvPr>
             <p:ph idx="1" type="body"/>
@@ -6532,40 +7108,46 @@
           </a:bodyPr>
           <a:lstStyle/>
           <a:p>
-            <a:pPr indent="-228600" lvl="0" marL="457200" rtl="0">
+            <a:pPr indent="-228600" lvl="0" marL="457200">
               <a:spcBef>
                 <a:spcPts val="0"/>
               </a:spcBef>
             </a:pPr>
             <a:r>
               <a:rPr lang="en"/>
-              <a:t>One issue that we ran into was that our script was re compiling the same java files over and over which significantly decreased the speed of the runAllTests script as more test cases were added.</a:t>
-            </a:r>
-          </a:p>
-          <a:p>
-            <a:pPr indent="-228600" lvl="0" marL="457200" rtl="0">
-              <a:spcBef>
-                <a:spcPts val="0"/>
-              </a:spcBef>
-            </a:pPr>
-            <a:r>
-              <a:rPr lang="en"/>
-              <a:t>This was an easy fix by keeping track of which java files were compiled and only compiling when necessary</a:t>
-            </a:r>
-          </a:p>
-          <a:p>
-            <a:pPr indent="-228600" lvl="0" marL="457200" rtl="0">
-              <a:spcBef>
-                <a:spcPts val="0"/>
-              </a:spcBef>
-            </a:pPr>
-            <a:r>
-              <a:rPr lang="en"/>
-              <a:t>Over the course of the semester we improved the runAllTests script and added more test cases. </a:t>
+              <a:t>Below is an example of one of our test case files</a:t>
             </a:r>
           </a:p>
         </p:txBody>
       </p:sp>
+      <p:pic>
+        <p:nvPicPr>
+          <p:cNvPr id="105" name="Shape 105"/>
+          <p:cNvPicPr preferRelativeResize="0"/>
+          <p:nvPr/>
+        </p:nvPicPr>
+        <p:blipFill>
+          <a:blip r:embed="rId3">
+            <a:alphaModFix/>
+          </a:blip>
+          <a:stretch>
+            <a:fillRect/>
+          </a:stretch>
+        </p:blipFill>
+        <p:spPr>
+          <a:xfrm>
+            <a:off x="1177225" y="1711375"/>
+            <a:ext cx="5734050" cy="2857500"/>
+          </a:xfrm>
+          <a:prstGeom prst="rect">
+            <a:avLst/>
+          </a:prstGeom>
+          <a:noFill/>
+          <a:ln>
+            <a:noFill/>
+          </a:ln>
+        </p:spPr>
+      </p:pic>
     </p:spTree>
   </p:cSld>
   <p:clrMapOvr>
